--- a/assets/slides/ch7-ensemble.pptx
+++ b/assets/slides/ch7-ensemble.pptx
@@ -5,17 +5,18 @@
     <p:sldMasterId id="2147483660" r:id="rId1"/>
   </p:sldMasterIdLst>
   <p:notesMasterIdLst>
-    <p:notesMasterId r:id="rId10"/>
+    <p:notesMasterId r:id="rId11"/>
   </p:notesMasterIdLst>
   <p:sldIdLst>
     <p:sldId id="256" r:id="rId2"/>
     <p:sldId id="266" r:id="rId3"/>
     <p:sldId id="267" r:id="rId4"/>
     <p:sldId id="268" r:id="rId5"/>
-    <p:sldId id="269" r:id="rId6"/>
-    <p:sldId id="270" r:id="rId7"/>
-    <p:sldId id="271" r:id="rId8"/>
-    <p:sldId id="272" r:id="rId9"/>
+    <p:sldId id="273" r:id="rId6"/>
+    <p:sldId id="269" r:id="rId7"/>
+    <p:sldId id="270" r:id="rId8"/>
+    <p:sldId id="271" r:id="rId9"/>
+    <p:sldId id="272" r:id="rId10"/>
   </p:sldIdLst>
   <p:sldSz cx="12192000" cy="6858000"/>
   <p:notesSz cx="6858000" cy="9144000"/>
@@ -204,7 +205,7 @@
           <a:p>
             <a:fld id="{DE5BD856-A219-444D-A244-0D5784F39DB8}" type="datetimeFigureOut">
               <a:rPr lang="zh-CN" altLang="en-US" smtClean="0"/>
-              <a:t>2022/10/2</a:t>
+              <a:t>2022/10/3</a:t>
             </a:fld>
             <a:endParaRPr lang="zh-CN" altLang="en-US"/>
           </a:p>
@@ -699,7 +700,7 @@
           <a:p>
             <a:fld id="{4BDF68E2-58F2-4D09-BE8B-E3BD06533059}" type="datetimeFigureOut">
               <a:rPr lang="en-US" dirty="0"/>
-              <a:t>10/2/2022</a:t>
+              <a:t>10/3/2022</a:t>
             </a:fld>
             <a:endParaRPr lang="en-US" dirty="0"/>
           </a:p>
@@ -1149,7 +1150,7 @@
           <a:p>
             <a:fld id="{E26F7E3A-B166-407D-9866-32884E7D5B37}" type="datetimeFigureOut">
               <a:rPr lang="en-US" dirty="0"/>
-              <a:t>10/2/2022</a:t>
+              <a:t>10/3/2022</a:t>
             </a:fld>
             <a:endParaRPr lang="en-US" dirty="0"/>
           </a:p>
@@ -1323,7 +1324,7 @@
           <a:p>
             <a:fld id="{528FC5F6-F338-4AE4-BB23-26385BCFC423}" type="datetimeFigureOut">
               <a:rPr lang="en-US" dirty="0"/>
-              <a:t>10/2/2022</a:t>
+              <a:t>10/3/2022</a:t>
             </a:fld>
             <a:endParaRPr lang="en-US" dirty="0"/>
           </a:p>
@@ -1560,7 +1561,7 @@
           <a:p>
             <a:fld id="{19AB4D41-86C1-4908-B66A-0B50CEB3BF29}" type="datetimeFigureOut">
               <a:rPr lang="en-US" dirty="0"/>
-              <a:t>10/2/2022</a:t>
+              <a:t>10/3/2022</a:t>
             </a:fld>
             <a:endParaRPr lang="en-US" dirty="0"/>
           </a:p>
@@ -1939,7 +1940,7 @@
           <a:p>
             <a:fld id="{E6426E2C-56C1-4E0D-A793-0088A7FDD37E}" type="datetimeFigureOut">
               <a:rPr lang="en-US" dirty="0"/>
-              <a:t>10/2/2022</a:t>
+              <a:t>10/3/2022</a:t>
             </a:fld>
             <a:endParaRPr lang="en-US" dirty="0"/>
           </a:p>
@@ -2057,7 +2058,7 @@
           <a:p>
             <a:fld id="{C8C39B41-D8B5-4052-B551-9B5525EAA8B6}" type="datetimeFigureOut">
               <a:rPr lang="en-US" dirty="0"/>
-              <a:t>10/2/2022</a:t>
+              <a:t>10/3/2022</a:t>
             </a:fld>
             <a:endParaRPr lang="en-US" dirty="0"/>
           </a:p>
@@ -2228,7 +2229,7 @@
           <a:p>
             <a:fld id="{4D94136C-8742-45B2-AF27-D93DF72833A9}" type="datetimeFigureOut">
               <a:rPr lang="en-US" dirty="0"/>
-              <a:t>10/2/2022</a:t>
+              <a:t>10/3/2022</a:t>
             </a:fld>
             <a:endParaRPr lang="en-US" dirty="0"/>
           </a:p>
@@ -2582,7 +2583,7 @@
           <a:p>
             <a:fld id="{32ABBEA6-7C60-4B02-AE87-00D78D8422AF}" type="datetimeFigureOut">
               <a:rPr lang="en-US" dirty="0"/>
-              <a:t>10/2/2022</a:t>
+              <a:t>10/3/2022</a:t>
             </a:fld>
             <a:endParaRPr lang="en-US" dirty="0"/>
           </a:p>
@@ -2964,7 +2965,7 @@
           <a:p>
             <a:fld id="{C9CAD897-D46E-4AD2-BD9B-49DD3E640873}" type="datetimeFigureOut">
               <a:rPr lang="en-US" dirty="0"/>
-              <a:t>10/2/2022</a:t>
+              <a:t>10/3/2022</a:t>
             </a:fld>
             <a:endParaRPr lang="en-US" dirty="0"/>
           </a:p>
@@ -3134,7 +3135,7 @@
           <a:p>
             <a:fld id="{2E2D6473-DF6D-4702-B328-E0DD40540A4E}" type="datetimeFigureOut">
               <a:rPr lang="en-US" dirty="0"/>
-              <a:t>10/2/2022</a:t>
+              <a:t>10/3/2022</a:t>
             </a:fld>
             <a:endParaRPr lang="en-US" dirty="0"/>
           </a:p>
@@ -3421,7 +3422,7 @@
           <a:p>
             <a:fld id="{98624D31-43A5-475A-80CF-332C9F6DCF35}" type="datetimeFigureOut">
               <a:rPr lang="en-US" dirty="0"/>
-              <a:t>10/2/2022</a:t>
+              <a:t>10/3/2022</a:t>
             </a:fld>
             <a:endParaRPr lang="en-US" dirty="0"/>
           </a:p>
@@ -4590,7 +4591,7 @@
           <p:cNvPr id="2" name="标题 1">
             <a:extLst>
               <a:ext uri="{FF2B5EF4-FFF2-40B4-BE49-F238E27FC236}">
-                <a16:creationId xmlns:a16="http://schemas.microsoft.com/office/drawing/2014/main" id="{619EAC7E-2DBD-9CDC-A7DB-B19BF6A6E439}"/>
+                <a16:creationId xmlns:a16="http://schemas.microsoft.com/office/drawing/2014/main" id="{1555126A-621E-822C-FB4E-571E18FC3037}"/>
               </a:ext>
             </a:extLst>
           </p:cNvPr>
@@ -4610,26 +4611,314 @@
           <a:p>
             <a:r>
               <a:rPr lang="zh-CN" altLang="en-US" dirty="0"/>
-              <a:t>梯度提升算法</a:t>
-            </a:r>
+              <a:t>从梯度下降法到梯度提升算法</a:t>
+            </a:r>
+          </a:p>
+        </p:txBody>
+      </p:sp>
+      <p:graphicFrame>
+        <p:nvGraphicFramePr>
+          <p:cNvPr id="5" name="表格 5">
+            <a:extLst>
+              <a:ext uri="{FF2B5EF4-FFF2-40B4-BE49-F238E27FC236}">
+                <a16:creationId xmlns:a16="http://schemas.microsoft.com/office/drawing/2014/main" id="{BA13477F-0E56-D159-3ED0-641EB945E4D3}"/>
+              </a:ext>
+            </a:extLst>
+          </p:cNvPr>
+          <p:cNvGraphicFramePr>
+            <a:graphicFrameLocks noGrp="1"/>
+          </p:cNvGraphicFramePr>
+          <p:nvPr>
+            <p:ph idx="1"/>
+            <p:extLst>
+              <p:ext uri="{D42A27DB-BD31-4B8C-83A1-F6EECF244321}">
+                <p14:modId xmlns:p14="http://schemas.microsoft.com/office/powerpoint/2010/main" val="17355392"/>
+              </p:ext>
+            </p:extLst>
+          </p:nvPr>
+        </p:nvGraphicFramePr>
+        <p:xfrm>
+          <a:off x="1096963" y="1066800"/>
+          <a:ext cx="10058397" cy="4795157"/>
+        </p:xfrm>
+        <a:graphic>
+          <a:graphicData uri="http://schemas.openxmlformats.org/drawingml/2006/table">
+            <a:tbl>
+              <a:tblPr firstRow="1" bandRow="1" bandCol="1">
+                <a:tableStyleId>{72833802-FEF1-4C79-8D5D-14CF1EAF98D9}</a:tableStyleId>
+              </a:tblPr>
+              <a:tblGrid>
+                <a:gridCol w="1942266">
+                  <a:extLst>
+                    <a:ext uri="{9D8B030D-6E8A-4147-A177-3AD203B41FA5}">
+                      <a16:colId xmlns:a16="http://schemas.microsoft.com/office/drawing/2014/main" val="983733447"/>
+                    </a:ext>
+                  </a:extLst>
+                </a:gridCol>
+                <a:gridCol w="3124807">
+                  <a:extLst>
+                    <a:ext uri="{9D8B030D-6E8A-4147-A177-3AD203B41FA5}">
+                      <a16:colId xmlns:a16="http://schemas.microsoft.com/office/drawing/2014/main" val="226723089"/>
+                    </a:ext>
+                  </a:extLst>
+                </a:gridCol>
+                <a:gridCol w="4991324">
+                  <a:extLst>
+                    <a:ext uri="{9D8B030D-6E8A-4147-A177-3AD203B41FA5}">
+                      <a16:colId xmlns:a16="http://schemas.microsoft.com/office/drawing/2014/main" val="963146724"/>
+                    </a:ext>
+                  </a:extLst>
+                </a:gridCol>
+              </a:tblGrid>
+              <a:tr h="370840">
+                <a:tc>
+                  <a:txBody>
+                    <a:bodyPr/>
+                    <a:lstStyle/>
+                    <a:p>
+                      <a:endParaRPr lang="zh-CN" altLang="en-US" dirty="0"/>
+                    </a:p>
+                  </a:txBody>
+                  <a:tcPr/>
+                </a:tc>
+                <a:tc>
+                  <a:txBody>
+                    <a:bodyPr/>
+                    <a:lstStyle/>
+                    <a:p>
+                      <a:r>
+                        <a:rPr lang="zh-CN" altLang="en-US" dirty="0"/>
+                        <a:t>梯度下降法</a:t>
+                      </a:r>
+                    </a:p>
+                  </a:txBody>
+                  <a:tcPr/>
+                </a:tc>
+                <a:tc>
+                  <a:txBody>
+                    <a:bodyPr/>
+                    <a:lstStyle/>
+                    <a:p>
+                      <a:r>
+                        <a:rPr lang="zh-CN" altLang="en-US" dirty="0"/>
+                        <a:t>梯度提升算法</a:t>
+                      </a:r>
+                    </a:p>
+                  </a:txBody>
+                  <a:tcPr/>
+                </a:tc>
+                <a:extLst>
+                  <a:ext uri="{0D108BD9-81ED-4DB2-BD59-A6C34878D82A}">
+                    <a16:rowId xmlns:a16="http://schemas.microsoft.com/office/drawing/2014/main" val="1402407232"/>
+                  </a:ext>
+                </a:extLst>
+              </a:tr>
+              <a:tr h="946331">
+                <a:tc>
+                  <a:txBody>
+                    <a:bodyPr/>
+                    <a:lstStyle/>
+                    <a:p>
+                      <a:r>
+                        <a:rPr lang="zh-CN" altLang="en-US" dirty="0"/>
+                        <a:t>优化目标</a:t>
+                      </a:r>
+                    </a:p>
+                  </a:txBody>
+                  <a:tcPr/>
+                </a:tc>
+                <a:tc>
+                  <a:txBody>
+                    <a:bodyPr/>
+                    <a:lstStyle/>
+                    <a:p>
+                      <a:endParaRPr lang="zh-CN" altLang="en-US" dirty="0"/>
+                    </a:p>
+                  </a:txBody>
+                  <a:tcPr/>
+                </a:tc>
+                <a:tc>
+                  <a:txBody>
+                    <a:bodyPr/>
+                    <a:lstStyle/>
+                    <a:p>
+                      <a:endParaRPr lang="zh-CN" altLang="en-US" dirty="0"/>
+                    </a:p>
+                  </a:txBody>
+                  <a:tcPr/>
+                </a:tc>
+                <a:extLst>
+                  <a:ext uri="{0D108BD9-81ED-4DB2-BD59-A6C34878D82A}">
+                    <a16:rowId xmlns:a16="http://schemas.microsoft.com/office/drawing/2014/main" val="3132209882"/>
+                  </a:ext>
+                </a:extLst>
+              </a:tr>
+              <a:tr h="955222">
+                <a:tc>
+                  <a:txBody>
+                    <a:bodyPr/>
+                    <a:lstStyle/>
+                    <a:p>
+                      <a:r>
+                        <a:rPr lang="zh-CN" altLang="en-US" dirty="0"/>
+                        <a:t>初始值</a:t>
+                      </a:r>
+                    </a:p>
+                  </a:txBody>
+                  <a:tcPr/>
+                </a:tc>
+                <a:tc>
+                  <a:txBody>
+                    <a:bodyPr/>
+                    <a:lstStyle/>
+                    <a:p>
+                      <a:endParaRPr lang="zh-CN" altLang="en-US"/>
+                    </a:p>
+                  </a:txBody>
+                  <a:tcPr/>
+                </a:tc>
+                <a:tc>
+                  <a:txBody>
+                    <a:bodyPr/>
+                    <a:lstStyle/>
+                    <a:p>
+                      <a:endParaRPr lang="zh-CN" altLang="en-US" dirty="0"/>
+                    </a:p>
+                  </a:txBody>
+                  <a:tcPr/>
+                </a:tc>
+                <a:extLst>
+                  <a:ext uri="{0D108BD9-81ED-4DB2-BD59-A6C34878D82A}">
+                    <a16:rowId xmlns:a16="http://schemas.microsoft.com/office/drawing/2014/main" val="304405233"/>
+                  </a:ext>
+                </a:extLst>
+              </a:tr>
+              <a:tr h="1028700">
+                <a:tc>
+                  <a:txBody>
+                    <a:bodyPr/>
+                    <a:lstStyle/>
+                    <a:p>
+                      <a:r>
+                        <a:rPr lang="zh-CN" altLang="en-US" dirty="0"/>
+                        <a:t>计算梯度</a:t>
+                      </a:r>
+                    </a:p>
+                  </a:txBody>
+                  <a:tcPr/>
+                </a:tc>
+                <a:tc>
+                  <a:txBody>
+                    <a:bodyPr/>
+                    <a:lstStyle/>
+                    <a:p>
+                      <a:endParaRPr lang="zh-CN" altLang="en-US" dirty="0"/>
+                    </a:p>
+                  </a:txBody>
+                  <a:tcPr/>
+                </a:tc>
+                <a:tc>
+                  <a:txBody>
+                    <a:bodyPr/>
+                    <a:lstStyle/>
+                    <a:p>
+                      <a:endParaRPr lang="zh-CN" altLang="en-US" dirty="0"/>
+                    </a:p>
+                  </a:txBody>
+                  <a:tcPr/>
+                </a:tc>
+                <a:extLst>
+                  <a:ext uri="{0D108BD9-81ED-4DB2-BD59-A6C34878D82A}">
+                    <a16:rowId xmlns:a16="http://schemas.microsoft.com/office/drawing/2014/main" val="2760623073"/>
+                  </a:ext>
+                </a:extLst>
+              </a:tr>
+              <a:tr h="1494064">
+                <a:tc>
+                  <a:txBody>
+                    <a:bodyPr/>
+                    <a:lstStyle/>
+                    <a:p>
+                      <a:r>
+                        <a:rPr lang="zh-CN" altLang="en-US" dirty="0"/>
+                        <a:t>迭代改进</a:t>
+                      </a:r>
+                    </a:p>
+                  </a:txBody>
+                  <a:tcPr/>
+                </a:tc>
+                <a:tc>
+                  <a:txBody>
+                    <a:bodyPr/>
+                    <a:lstStyle/>
+                    <a:p>
+                      <a:endParaRPr lang="zh-CN" altLang="en-US" dirty="0"/>
+                    </a:p>
+                  </a:txBody>
+                  <a:tcPr/>
+                </a:tc>
+                <a:tc>
+                  <a:txBody>
+                    <a:bodyPr/>
+                    <a:lstStyle/>
+                    <a:p>
+                      <a:endParaRPr lang="zh-CN" altLang="en-US" dirty="0"/>
+                    </a:p>
+                  </a:txBody>
+                  <a:tcPr/>
+                </a:tc>
+                <a:extLst>
+                  <a:ext uri="{0D108BD9-81ED-4DB2-BD59-A6C34878D82A}">
+                    <a16:rowId xmlns:a16="http://schemas.microsoft.com/office/drawing/2014/main" val="2762254331"/>
+                  </a:ext>
+                </a:extLst>
+              </a:tr>
+            </a:tbl>
+          </a:graphicData>
+        </a:graphic>
+      </p:graphicFrame>
+      <p:sp>
+        <p:nvSpPr>
+          <p:cNvPr id="4" name="灯片编号占位符 3">
+            <a:extLst>
+              <a:ext uri="{FF2B5EF4-FFF2-40B4-BE49-F238E27FC236}">
+                <a16:creationId xmlns:a16="http://schemas.microsoft.com/office/drawing/2014/main" id="{90992154-D9FB-8D84-5455-D214088117AF}"/>
+              </a:ext>
+            </a:extLst>
+          </p:cNvPr>
+          <p:cNvSpPr>
+            <a:spLocks noGrp="1"/>
+          </p:cNvSpPr>
+          <p:nvPr>
+            <p:ph type="sldNum" sz="quarter" idx="12"/>
+          </p:nvPr>
+        </p:nvSpPr>
+        <p:spPr/>
+        <p:txBody>
+          <a:bodyPr/>
+          <a:lstStyle/>
+          <a:p>
+            <a:fld id="{11D4CF92-A3F5-4C72-9C99-8E020469E472}" type="slidenum">
+              <a:rPr lang="zh-CN" altLang="en-US" smtClean="0"/>
+              <a:t>5</a:t>
+            </a:fld>
+            <a:endParaRPr lang="zh-CN" altLang="en-US"/>
           </a:p>
         </p:txBody>
       </p:sp>
       <p:pic>
         <p:nvPicPr>
-          <p:cNvPr id="6" name="内容占位符 5">
+          <p:cNvPr id="8" name="图片 7">
             <a:extLst>
               <a:ext uri="{FF2B5EF4-FFF2-40B4-BE49-F238E27FC236}">
-                <a16:creationId xmlns:a16="http://schemas.microsoft.com/office/drawing/2014/main" id="{01033561-BCB1-53C7-DBC3-C0BB394B7594}"/>
+                <a16:creationId xmlns:a16="http://schemas.microsoft.com/office/drawing/2014/main" id="{B0002BF4-B7A7-EAD7-22DA-EB90B8436175}"/>
               </a:ext>
             </a:extLst>
           </p:cNvPr>
           <p:cNvPicPr>
-            <a:picLocks noGrp="1" noChangeAspect="1"/>
+            <a:picLocks noChangeAspect="1"/>
           </p:cNvPicPr>
-          <p:nvPr>
-            <p:ph idx="1"/>
-          </p:nvPr>
+          <p:nvPr/>
         </p:nvPicPr>
         <p:blipFill>
           <a:blip r:embed="rId2"/>
@@ -4639,44 +4928,318 @@
         </p:blipFill>
         <p:spPr>
           <a:xfrm>
-            <a:off x="2322317" y="1496117"/>
-            <a:ext cx="7607691" cy="3943553"/>
-          </a:xfrm>
+            <a:off x="3133390" y="1486140"/>
+            <a:ext cx="1905098" cy="425472"/>
+          </a:xfrm>
+          <a:prstGeom prst="rect">
+            <a:avLst/>
+          </a:prstGeom>
         </p:spPr>
       </p:pic>
-      <p:sp>
-        <p:nvSpPr>
-          <p:cNvPr id="4" name="灯片编号占位符 3">
+      <p:pic>
+        <p:nvPicPr>
+          <p:cNvPr id="10" name="图片 9">
             <a:extLst>
               <a:ext uri="{FF2B5EF4-FFF2-40B4-BE49-F238E27FC236}">
-                <a16:creationId xmlns:a16="http://schemas.microsoft.com/office/drawing/2014/main" id="{F58C97AB-F48B-161B-880A-B69869B5F84B}"/>
+                <a16:creationId xmlns:a16="http://schemas.microsoft.com/office/drawing/2014/main" id="{CD8BB010-1B17-09AA-A550-4F853495D5C1}"/>
               </a:ext>
             </a:extLst>
           </p:cNvPr>
-          <p:cNvSpPr>
-            <a:spLocks noGrp="1"/>
-          </p:cNvSpPr>
-          <p:nvPr>
-            <p:ph type="sldNum" sz="quarter" idx="12"/>
-          </p:nvPr>
-        </p:nvSpPr>
-        <p:spPr/>
-        <p:txBody>
-          <a:bodyPr/>
-          <a:lstStyle/>
-          <a:p>
-            <a:fld id="{11D4CF92-A3F5-4C72-9C99-8E020469E472}" type="slidenum">
-              <a:rPr lang="zh-CN" altLang="en-US" smtClean="0"/>
-              <a:t>5</a:t>
-            </a:fld>
-            <a:endParaRPr lang="zh-CN" altLang="en-US"/>
-          </a:p>
-        </p:txBody>
-      </p:sp>
+          <p:cNvPicPr>
+            <a:picLocks noChangeAspect="1"/>
+          </p:cNvPicPr>
+          <p:nvPr/>
+        </p:nvPicPr>
+        <p:blipFill>
+          <a:blip r:embed="rId3"/>
+          <a:stretch>
+            <a:fillRect/>
+          </a:stretch>
+        </p:blipFill>
+        <p:spPr>
+          <a:xfrm>
+            <a:off x="6845951" y="1459107"/>
+            <a:ext cx="3054507" cy="800141"/>
+          </a:xfrm>
+          <a:prstGeom prst="rect">
+            <a:avLst/>
+          </a:prstGeom>
+        </p:spPr>
+      </p:pic>
+      <p:pic>
+        <p:nvPicPr>
+          <p:cNvPr id="12" name="图片 11">
+            <a:extLst>
+              <a:ext uri="{FF2B5EF4-FFF2-40B4-BE49-F238E27FC236}">
+                <a16:creationId xmlns:a16="http://schemas.microsoft.com/office/drawing/2014/main" id="{EBFCF60E-0892-AB94-1EE9-524960D63926}"/>
+              </a:ext>
+            </a:extLst>
+          </p:cNvPr>
+          <p:cNvPicPr>
+            <a:picLocks noChangeAspect="1"/>
+          </p:cNvPicPr>
+          <p:nvPr/>
+        </p:nvPicPr>
+        <p:blipFill>
+          <a:blip r:embed="rId4"/>
+          <a:stretch>
+            <a:fillRect/>
+          </a:stretch>
+        </p:blipFill>
+        <p:spPr>
+          <a:xfrm>
+            <a:off x="3174526" y="2439051"/>
+            <a:ext cx="781090" cy="311166"/>
+          </a:xfrm>
+          <a:prstGeom prst="rect">
+            <a:avLst/>
+          </a:prstGeom>
+        </p:spPr>
+      </p:pic>
+      <p:pic>
+        <p:nvPicPr>
+          <p:cNvPr id="14" name="图片 13">
+            <a:extLst>
+              <a:ext uri="{FF2B5EF4-FFF2-40B4-BE49-F238E27FC236}">
+                <a16:creationId xmlns:a16="http://schemas.microsoft.com/office/drawing/2014/main" id="{C9D092B1-2B66-ABD5-6B94-1C0EA31A2C7F}"/>
+              </a:ext>
+            </a:extLst>
+          </p:cNvPr>
+          <p:cNvPicPr>
+            <a:picLocks noChangeAspect="1"/>
+          </p:cNvPicPr>
+          <p:nvPr/>
+        </p:nvPicPr>
+        <p:blipFill>
+          <a:blip r:embed="rId5"/>
+          <a:stretch>
+            <a:fillRect/>
+          </a:stretch>
+        </p:blipFill>
+        <p:spPr>
+          <a:xfrm>
+            <a:off x="6845951" y="2439051"/>
+            <a:ext cx="2876698" cy="787440"/>
+          </a:xfrm>
+          <a:prstGeom prst="rect">
+            <a:avLst/>
+          </a:prstGeom>
+        </p:spPr>
+      </p:pic>
+      <p:pic>
+        <p:nvPicPr>
+          <p:cNvPr id="16" name="图片 15">
+            <a:extLst>
+              <a:ext uri="{FF2B5EF4-FFF2-40B4-BE49-F238E27FC236}">
+                <a16:creationId xmlns:a16="http://schemas.microsoft.com/office/drawing/2014/main" id="{DE585F50-2079-7596-98FD-6B2458B70DBA}"/>
+              </a:ext>
+            </a:extLst>
+          </p:cNvPr>
+          <p:cNvPicPr>
+            <a:picLocks noChangeAspect="1"/>
+          </p:cNvPicPr>
+          <p:nvPr/>
+        </p:nvPicPr>
+        <p:blipFill>
+          <a:blip r:embed="rId6"/>
+          <a:stretch>
+            <a:fillRect/>
+          </a:stretch>
+        </p:blipFill>
+        <p:spPr>
+          <a:xfrm>
+            <a:off x="3133390" y="3429000"/>
+            <a:ext cx="2654436" cy="838243"/>
+          </a:xfrm>
+          <a:prstGeom prst="rect">
+            <a:avLst/>
+          </a:prstGeom>
+        </p:spPr>
+      </p:pic>
+      <p:pic>
+        <p:nvPicPr>
+          <p:cNvPr id="18" name="图片 17">
+            <a:extLst>
+              <a:ext uri="{FF2B5EF4-FFF2-40B4-BE49-F238E27FC236}">
+                <a16:creationId xmlns:a16="http://schemas.microsoft.com/office/drawing/2014/main" id="{BCF193DC-04D6-7853-FBA9-43E83E1D556A}"/>
+              </a:ext>
+            </a:extLst>
+          </p:cNvPr>
+          <p:cNvPicPr>
+            <a:picLocks noChangeAspect="1"/>
+          </p:cNvPicPr>
+          <p:nvPr/>
+        </p:nvPicPr>
+        <p:blipFill>
+          <a:blip r:embed="rId7"/>
+          <a:stretch>
+            <a:fillRect/>
+          </a:stretch>
+        </p:blipFill>
+        <p:spPr>
+          <a:xfrm>
+            <a:off x="6847075" y="3445518"/>
+            <a:ext cx="3600635" cy="819192"/>
+          </a:xfrm>
+          <a:prstGeom prst="rect">
+            <a:avLst/>
+          </a:prstGeom>
+        </p:spPr>
+      </p:pic>
+      <p:pic>
+        <p:nvPicPr>
+          <p:cNvPr id="20" name="图片 19">
+            <a:extLst>
+              <a:ext uri="{FF2B5EF4-FFF2-40B4-BE49-F238E27FC236}">
+                <a16:creationId xmlns:a16="http://schemas.microsoft.com/office/drawing/2014/main" id="{7EB2307A-C1DD-6455-5EE3-D3BEDEF0BDBC}"/>
+              </a:ext>
+            </a:extLst>
+          </p:cNvPr>
+          <p:cNvPicPr>
+            <a:picLocks noChangeAspect="1"/>
+          </p:cNvPicPr>
+          <p:nvPr/>
+        </p:nvPicPr>
+        <p:blipFill>
+          <a:blip r:embed="rId8"/>
+          <a:stretch>
+            <a:fillRect/>
+          </a:stretch>
+        </p:blipFill>
+        <p:spPr>
+          <a:xfrm>
+            <a:off x="3133390" y="4388815"/>
+            <a:ext cx="1752690" cy="800141"/>
+          </a:xfrm>
+          <a:prstGeom prst="rect">
+            <a:avLst/>
+          </a:prstGeom>
+        </p:spPr>
+      </p:pic>
+      <p:pic>
+        <p:nvPicPr>
+          <p:cNvPr id="22" name="图片 21">
+            <a:extLst>
+              <a:ext uri="{FF2B5EF4-FFF2-40B4-BE49-F238E27FC236}">
+                <a16:creationId xmlns:a16="http://schemas.microsoft.com/office/drawing/2014/main" id="{ACF73B33-7A53-FC78-73EB-726C93B28104}"/>
+              </a:ext>
+            </a:extLst>
+          </p:cNvPr>
+          <p:cNvPicPr>
+            <a:picLocks noChangeAspect="1"/>
+          </p:cNvPicPr>
+          <p:nvPr/>
+        </p:nvPicPr>
+        <p:blipFill>
+          <a:blip r:embed="rId9"/>
+          <a:stretch>
+            <a:fillRect/>
+          </a:stretch>
+        </p:blipFill>
+        <p:spPr>
+          <a:xfrm>
+            <a:off x="3133390" y="5268339"/>
+            <a:ext cx="1663786" cy="406421"/>
+          </a:xfrm>
+          <a:prstGeom prst="rect">
+            <a:avLst/>
+          </a:prstGeom>
+        </p:spPr>
+      </p:pic>
+      <p:pic>
+        <p:nvPicPr>
+          <p:cNvPr id="24" name="图片 23">
+            <a:extLst>
+              <a:ext uri="{FF2B5EF4-FFF2-40B4-BE49-F238E27FC236}">
+                <a16:creationId xmlns:a16="http://schemas.microsoft.com/office/drawing/2014/main" id="{E7C4E428-D9AA-667C-D5CB-F761947025A3}"/>
+              </a:ext>
+            </a:extLst>
+          </p:cNvPr>
+          <p:cNvPicPr>
+            <a:picLocks noChangeAspect="1"/>
+          </p:cNvPicPr>
+          <p:nvPr/>
+        </p:nvPicPr>
+        <p:blipFill>
+          <a:blip r:embed="rId10"/>
+          <a:stretch>
+            <a:fillRect/>
+          </a:stretch>
+        </p:blipFill>
+        <p:spPr>
+          <a:xfrm>
+            <a:off x="6845951" y="4483737"/>
+            <a:ext cx="3359323" cy="476274"/>
+          </a:xfrm>
+          <a:prstGeom prst="rect">
+            <a:avLst/>
+          </a:prstGeom>
+        </p:spPr>
+      </p:pic>
+      <p:pic>
+        <p:nvPicPr>
+          <p:cNvPr id="28" name="图片 27">
+            <a:extLst>
+              <a:ext uri="{FF2B5EF4-FFF2-40B4-BE49-F238E27FC236}">
+                <a16:creationId xmlns:a16="http://schemas.microsoft.com/office/drawing/2014/main" id="{C5921E9E-C85B-7DCE-8A4E-303314F5B47A}"/>
+              </a:ext>
+            </a:extLst>
+          </p:cNvPr>
+          <p:cNvPicPr>
+            <a:picLocks noChangeAspect="1"/>
+          </p:cNvPicPr>
+          <p:nvPr/>
+        </p:nvPicPr>
+        <p:blipFill>
+          <a:blip r:embed="rId11"/>
+          <a:stretch>
+            <a:fillRect/>
+          </a:stretch>
+        </p:blipFill>
+        <p:spPr>
+          <a:xfrm>
+            <a:off x="6332699" y="4958438"/>
+            <a:ext cx="4115011" cy="387370"/>
+          </a:xfrm>
+          <a:prstGeom prst="rect">
+            <a:avLst/>
+          </a:prstGeom>
+        </p:spPr>
+      </p:pic>
+      <p:pic>
+        <p:nvPicPr>
+          <p:cNvPr id="30" name="图片 29">
+            <a:extLst>
+              <a:ext uri="{FF2B5EF4-FFF2-40B4-BE49-F238E27FC236}">
+                <a16:creationId xmlns:a16="http://schemas.microsoft.com/office/drawing/2014/main" id="{4AB1CE4E-EDE5-EE0F-ECFF-16D997915606}"/>
+              </a:ext>
+            </a:extLst>
+          </p:cNvPr>
+          <p:cNvPicPr>
+            <a:picLocks noChangeAspect="1"/>
+          </p:cNvPicPr>
+          <p:nvPr/>
+        </p:nvPicPr>
+        <p:blipFill>
+          <a:blip r:embed="rId12"/>
+          <a:stretch>
+            <a:fillRect/>
+          </a:stretch>
+        </p:blipFill>
+        <p:spPr>
+          <a:xfrm>
+            <a:off x="7808025" y="5426836"/>
+            <a:ext cx="1435174" cy="342918"/>
+          </a:xfrm>
+          <a:prstGeom prst="rect">
+            <a:avLst/>
+          </a:prstGeom>
+        </p:spPr>
+      </p:pic>
     </p:spTree>
     <p:extLst>
       <p:ext uri="{BB962C8B-B14F-4D97-AF65-F5344CB8AC3E}">
-        <p14:creationId xmlns:p14="http://schemas.microsoft.com/office/powerpoint/2010/main" val="1649000601"/>
+        <p14:creationId xmlns:p14="http://schemas.microsoft.com/office/powerpoint/2010/main" val="1007887612"/>
       </p:ext>
     </p:extLst>
   </p:cSld>
@@ -4708,7 +5271,7 @@
           <p:cNvPr id="2" name="标题 1">
             <a:extLst>
               <a:ext uri="{FF2B5EF4-FFF2-40B4-BE49-F238E27FC236}">
-                <a16:creationId xmlns:a16="http://schemas.microsoft.com/office/drawing/2014/main" id="{AE03F7C6-4BF8-B516-9B76-A3901884C4E2}"/>
+                <a16:creationId xmlns:a16="http://schemas.microsoft.com/office/drawing/2014/main" id="{619EAC7E-2DBD-9CDC-A7DB-B19BF6A6E439}"/>
               </a:ext>
             </a:extLst>
           </p:cNvPr>
@@ -4728,7 +5291,7 @@
           <a:p>
             <a:r>
               <a:rPr lang="zh-CN" altLang="en-US" dirty="0"/>
-              <a:t>采用均方误差的梯度提升算法</a:t>
+              <a:t>梯度提升算法</a:t>
             </a:r>
           </a:p>
         </p:txBody>
@@ -4738,7 +5301,7 @@
           <p:cNvPr id="6" name="内容占位符 5">
             <a:extLst>
               <a:ext uri="{FF2B5EF4-FFF2-40B4-BE49-F238E27FC236}">
-                <a16:creationId xmlns:a16="http://schemas.microsoft.com/office/drawing/2014/main" id="{404AFA5B-6ADC-E086-38C6-F4E12D1EE9DD}"/>
+                <a16:creationId xmlns:a16="http://schemas.microsoft.com/office/drawing/2014/main" id="{01033561-BCB1-53C7-DBC3-C0BB394B7594}"/>
               </a:ext>
             </a:extLst>
           </p:cNvPr>
@@ -4757,8 +5320,8 @@
         </p:blipFill>
         <p:spPr>
           <a:xfrm>
-            <a:off x="2322317" y="1724729"/>
-            <a:ext cx="7607691" cy="3486329"/>
+            <a:off x="2322317" y="1496117"/>
+            <a:ext cx="7607691" cy="3943553"/>
           </a:xfrm>
         </p:spPr>
       </p:pic>
@@ -4767,7 +5330,7 @@
           <p:cNvPr id="4" name="灯片编号占位符 3">
             <a:extLst>
               <a:ext uri="{FF2B5EF4-FFF2-40B4-BE49-F238E27FC236}">
-                <a16:creationId xmlns:a16="http://schemas.microsoft.com/office/drawing/2014/main" id="{F43874EA-26AF-F5DD-CF4F-D4F433BB9852}"/>
+                <a16:creationId xmlns:a16="http://schemas.microsoft.com/office/drawing/2014/main" id="{F58C97AB-F48B-161B-880A-B69869B5F84B}"/>
               </a:ext>
             </a:extLst>
           </p:cNvPr>
@@ -4794,7 +5357,7 @@
     </p:spTree>
     <p:extLst>
       <p:ext uri="{BB962C8B-B14F-4D97-AF65-F5344CB8AC3E}">
-        <p14:creationId xmlns:p14="http://schemas.microsoft.com/office/powerpoint/2010/main" val="3193547795"/>
+        <p14:creationId xmlns:p14="http://schemas.microsoft.com/office/powerpoint/2010/main" val="1649000601"/>
       </p:ext>
     </p:extLst>
   </p:cSld>
@@ -4826,7 +5389,7 @@
           <p:cNvPr id="2" name="标题 1">
             <a:extLst>
               <a:ext uri="{FF2B5EF4-FFF2-40B4-BE49-F238E27FC236}">
-                <a16:creationId xmlns:a16="http://schemas.microsoft.com/office/drawing/2014/main" id="{54874E3B-6DF4-E146-6506-020680073626}"/>
+                <a16:creationId xmlns:a16="http://schemas.microsoft.com/office/drawing/2014/main" id="{AE03F7C6-4BF8-B516-9B76-A3901884C4E2}"/>
               </a:ext>
             </a:extLst>
           </p:cNvPr>
@@ -4846,7 +5409,7 @@
           <a:p>
             <a:r>
               <a:rPr lang="zh-CN" altLang="en-US" dirty="0"/>
-              <a:t>偏差和方差</a:t>
+              <a:t>采用均方误差的梯度提升算法</a:t>
             </a:r>
           </a:p>
         </p:txBody>
@@ -4856,7 +5419,7 @@
           <p:cNvPr id="6" name="内容占位符 5">
             <a:extLst>
               <a:ext uri="{FF2B5EF4-FFF2-40B4-BE49-F238E27FC236}">
-                <a16:creationId xmlns:a16="http://schemas.microsoft.com/office/drawing/2014/main" id="{8CE08130-DEBD-1E88-64B4-C2C059550438}"/>
+                <a16:creationId xmlns:a16="http://schemas.microsoft.com/office/drawing/2014/main" id="{404AFA5B-6ADC-E086-38C6-F4E12D1EE9DD}"/>
               </a:ext>
             </a:extLst>
           </p:cNvPr>
@@ -4875,8 +5438,8 @@
         </p:blipFill>
         <p:spPr>
           <a:xfrm>
-            <a:off x="3930877" y="1066800"/>
-            <a:ext cx="4390571" cy="4802188"/>
+            <a:off x="2322317" y="1724729"/>
+            <a:ext cx="7607691" cy="3486329"/>
           </a:xfrm>
         </p:spPr>
       </p:pic>
@@ -4885,7 +5448,7 @@
           <p:cNvPr id="4" name="灯片编号占位符 3">
             <a:extLst>
               <a:ext uri="{FF2B5EF4-FFF2-40B4-BE49-F238E27FC236}">
-                <a16:creationId xmlns:a16="http://schemas.microsoft.com/office/drawing/2014/main" id="{81056934-4170-52A9-865A-1AE860ADF227}"/>
+                <a16:creationId xmlns:a16="http://schemas.microsoft.com/office/drawing/2014/main" id="{F43874EA-26AF-F5DD-CF4F-D4F433BB9852}"/>
               </a:ext>
             </a:extLst>
           </p:cNvPr>
@@ -4912,7 +5475,7 @@
     </p:spTree>
     <p:extLst>
       <p:ext uri="{BB962C8B-B14F-4D97-AF65-F5344CB8AC3E}">
-        <p14:creationId xmlns:p14="http://schemas.microsoft.com/office/powerpoint/2010/main" val="3012365855"/>
+        <p14:creationId xmlns:p14="http://schemas.microsoft.com/office/powerpoint/2010/main" val="3193547795"/>
       </p:ext>
     </p:extLst>
   </p:cSld>
@@ -4944,6 +5507,124 @@
           <p:cNvPr id="2" name="标题 1">
             <a:extLst>
               <a:ext uri="{FF2B5EF4-FFF2-40B4-BE49-F238E27FC236}">
+                <a16:creationId xmlns:a16="http://schemas.microsoft.com/office/drawing/2014/main" id="{54874E3B-6DF4-E146-6506-020680073626}"/>
+              </a:ext>
+            </a:extLst>
+          </p:cNvPr>
+          <p:cNvSpPr>
+            <a:spLocks noGrp="1"/>
+          </p:cNvSpPr>
+          <p:nvPr>
+            <p:ph type="title"/>
+          </p:nvPr>
+        </p:nvSpPr>
+        <p:spPr/>
+        <p:txBody>
+          <a:bodyPr>
+            <a:normAutofit fontScale="90000"/>
+          </a:bodyPr>
+          <a:lstStyle/>
+          <a:p>
+            <a:r>
+              <a:rPr lang="zh-CN" altLang="en-US" dirty="0"/>
+              <a:t>偏差和方差</a:t>
+            </a:r>
+          </a:p>
+        </p:txBody>
+      </p:sp>
+      <p:pic>
+        <p:nvPicPr>
+          <p:cNvPr id="6" name="内容占位符 5">
+            <a:extLst>
+              <a:ext uri="{FF2B5EF4-FFF2-40B4-BE49-F238E27FC236}">
+                <a16:creationId xmlns:a16="http://schemas.microsoft.com/office/drawing/2014/main" id="{8CE08130-DEBD-1E88-64B4-C2C059550438}"/>
+              </a:ext>
+            </a:extLst>
+          </p:cNvPr>
+          <p:cNvPicPr>
+            <a:picLocks noGrp="1" noChangeAspect="1"/>
+          </p:cNvPicPr>
+          <p:nvPr>
+            <p:ph idx="1"/>
+          </p:nvPr>
+        </p:nvPicPr>
+        <p:blipFill>
+          <a:blip r:embed="rId2"/>
+          <a:stretch>
+            <a:fillRect/>
+          </a:stretch>
+        </p:blipFill>
+        <p:spPr>
+          <a:xfrm>
+            <a:off x="3930877" y="1066800"/>
+            <a:ext cx="4390571" cy="4802188"/>
+          </a:xfrm>
+        </p:spPr>
+      </p:pic>
+      <p:sp>
+        <p:nvSpPr>
+          <p:cNvPr id="4" name="灯片编号占位符 3">
+            <a:extLst>
+              <a:ext uri="{FF2B5EF4-FFF2-40B4-BE49-F238E27FC236}">
+                <a16:creationId xmlns:a16="http://schemas.microsoft.com/office/drawing/2014/main" id="{81056934-4170-52A9-865A-1AE860ADF227}"/>
+              </a:ext>
+            </a:extLst>
+          </p:cNvPr>
+          <p:cNvSpPr>
+            <a:spLocks noGrp="1"/>
+          </p:cNvSpPr>
+          <p:nvPr>
+            <p:ph type="sldNum" sz="quarter" idx="12"/>
+          </p:nvPr>
+        </p:nvSpPr>
+        <p:spPr/>
+        <p:txBody>
+          <a:bodyPr/>
+          <a:lstStyle/>
+          <a:p>
+            <a:fld id="{11D4CF92-A3F5-4C72-9C99-8E020469E472}" type="slidenum">
+              <a:rPr lang="zh-CN" altLang="en-US" smtClean="0"/>
+              <a:t>8</a:t>
+            </a:fld>
+            <a:endParaRPr lang="zh-CN" altLang="en-US"/>
+          </a:p>
+        </p:txBody>
+      </p:sp>
+    </p:spTree>
+    <p:extLst>
+      <p:ext uri="{BB962C8B-B14F-4D97-AF65-F5344CB8AC3E}">
+        <p14:creationId xmlns:p14="http://schemas.microsoft.com/office/powerpoint/2010/main" val="3012365855"/>
+      </p:ext>
+    </p:extLst>
+  </p:cSld>
+  <p:clrMapOvr>
+    <a:masterClrMapping/>
+  </p:clrMapOvr>
+</p:sld>
+</file>
+
+<file path=ppt/slides/slide9.xml><?xml version="1.0" encoding="utf-8"?>
+<p:sld xmlns:a="http://schemas.openxmlformats.org/drawingml/2006/main" xmlns:r="http://schemas.openxmlformats.org/officeDocument/2006/relationships" xmlns:p="http://schemas.openxmlformats.org/presentationml/2006/main">
+  <p:cSld>
+    <p:spTree>
+      <p:nvGrpSpPr>
+        <p:cNvPr id="1" name=""/>
+        <p:cNvGrpSpPr/>
+        <p:nvPr/>
+      </p:nvGrpSpPr>
+      <p:grpSpPr>
+        <a:xfrm>
+          <a:off x="0" y="0"/>
+          <a:ext cx="0" cy="0"/>
+          <a:chOff x="0" y="0"/>
+          <a:chExt cx="0" cy="0"/>
+        </a:xfrm>
+      </p:grpSpPr>
+      <p:sp>
+        <p:nvSpPr>
+          <p:cNvPr id="2" name="标题 1">
+            <a:extLst>
+              <a:ext uri="{FF2B5EF4-FFF2-40B4-BE49-F238E27FC236}">
                 <a16:creationId xmlns:a16="http://schemas.microsoft.com/office/drawing/2014/main" id="{9384806B-C9BB-3E80-8FB6-D3CF9FBF7476}"/>
               </a:ext>
             </a:extLst>
@@ -5021,7 +5702,7 @@
           <a:p>
             <a:fld id="{11D4CF92-A3F5-4C72-9C99-8E020469E472}" type="slidenum">
               <a:rPr lang="zh-CN" altLang="en-US" smtClean="0"/>
-              <a:t>8</a:t>
+              <a:t>9</a:t>
             </a:fld>
             <a:endParaRPr lang="zh-CN" altLang="en-US"/>
           </a:p>
@@ -5049,8 +5730,68 @@
         </p:blipFill>
         <p:spPr>
           <a:xfrm>
-            <a:off x="2638247" y="2495502"/>
+            <a:off x="2638247" y="3574004"/>
             <a:ext cx="6915505" cy="1866996"/>
+          </a:xfrm>
+          <a:prstGeom prst="rect">
+            <a:avLst/>
+          </a:prstGeom>
+        </p:spPr>
+      </p:pic>
+      <p:pic>
+        <p:nvPicPr>
+          <p:cNvPr id="5" name="图片 4">
+            <a:extLst>
+              <a:ext uri="{FF2B5EF4-FFF2-40B4-BE49-F238E27FC236}">
+                <a16:creationId xmlns:a16="http://schemas.microsoft.com/office/drawing/2014/main" id="{A3C1B28F-2EE3-F422-67FE-B77EE1EF8D13}"/>
+              </a:ext>
+            </a:extLst>
+          </p:cNvPr>
+          <p:cNvPicPr>
+            <a:picLocks noChangeAspect="1"/>
+          </p:cNvPicPr>
+          <p:nvPr/>
+        </p:nvPicPr>
+        <p:blipFill>
+          <a:blip r:embed="rId4"/>
+          <a:stretch>
+            <a:fillRect/>
+          </a:stretch>
+        </p:blipFill>
+        <p:spPr>
+          <a:xfrm>
+            <a:off x="5238781" y="1809047"/>
+            <a:ext cx="2781443" cy="520727"/>
+          </a:xfrm>
+          <a:prstGeom prst="rect">
+            <a:avLst/>
+          </a:prstGeom>
+        </p:spPr>
+      </p:pic>
+      <p:pic>
+        <p:nvPicPr>
+          <p:cNvPr id="9" name="图片 8">
+            <a:extLst>
+              <a:ext uri="{FF2B5EF4-FFF2-40B4-BE49-F238E27FC236}">
+                <a16:creationId xmlns:a16="http://schemas.microsoft.com/office/drawing/2014/main" id="{5F62DC03-1B25-A33E-F3DB-B01D22A18534}"/>
+              </a:ext>
+            </a:extLst>
+          </p:cNvPr>
+          <p:cNvPicPr>
+            <a:picLocks noChangeAspect="1"/>
+          </p:cNvPicPr>
+          <p:nvPr/>
+        </p:nvPicPr>
+        <p:blipFill>
+          <a:blip r:embed="rId5"/>
+          <a:stretch>
+            <a:fillRect/>
+          </a:stretch>
+        </p:blipFill>
+        <p:spPr>
+          <a:xfrm>
+            <a:off x="5238781" y="2393391"/>
+            <a:ext cx="3835597" cy="590580"/>
           </a:xfrm>
           <a:prstGeom prst="rect">
             <a:avLst/>
